--- a/Probability Assignments..pptx
+++ b/Probability Assignments..pptx
@@ -17,6 +17,8 @@
     <p:sldId id="266" r:id="rId11"/>
     <p:sldId id="267" r:id="rId12"/>
     <p:sldId id="268" r:id="rId13"/>
+    <p:sldId id="269" r:id="rId14"/>
+    <p:sldId id="270" r:id="rId15"/>
   </p:sldIdLst>
   <p:sldSz cx="12192000" cy="6858000"/>
   <p:notesSz cx="6858000" cy="9144000"/>
@@ -319,7 +321,7 @@
           <a:p>
             <a:fld id="{981B02B0-6A9F-4640-86BF-B262D0C381CC}" type="datetimeFigureOut">
               <a:rPr lang="en-IN" smtClean="0"/>
-              <a:t>01-07-2021</a:t>
+              <a:t>06-07-2021</a:t>
             </a:fld>
             <a:endParaRPr lang="en-IN"/>
           </a:p>
@@ -540,7 +542,7 @@
           <a:p>
             <a:fld id="{981B02B0-6A9F-4640-86BF-B262D0C381CC}" type="datetimeFigureOut">
               <a:rPr lang="en-IN" smtClean="0"/>
-              <a:t>01-07-2021</a:t>
+              <a:t>06-07-2021</a:t>
             </a:fld>
             <a:endParaRPr lang="en-IN"/>
           </a:p>
@@ -720,7 +722,7 @@
           <a:p>
             <a:fld id="{981B02B0-6A9F-4640-86BF-B262D0C381CC}" type="datetimeFigureOut">
               <a:rPr lang="en-IN" smtClean="0"/>
-              <a:t>01-07-2021</a:t>
+              <a:t>06-07-2021</a:t>
             </a:fld>
             <a:endParaRPr lang="en-IN"/>
           </a:p>
@@ -895,7 +897,7 @@
           <a:p>
             <a:fld id="{981B02B0-6A9F-4640-86BF-B262D0C381CC}" type="datetimeFigureOut">
               <a:rPr lang="en-IN" smtClean="0"/>
-              <a:t>01-07-2021</a:t>
+              <a:t>06-07-2021</a:t>
             </a:fld>
             <a:endParaRPr lang="en-IN"/>
           </a:p>
@@ -1065,7 +1067,7 @@
           <a:p>
             <a:fld id="{981B02B0-6A9F-4640-86BF-B262D0C381CC}" type="datetimeFigureOut">
               <a:rPr lang="en-IN" smtClean="0"/>
-              <a:t>01-07-2021</a:t>
+              <a:t>06-07-2021</a:t>
             </a:fld>
             <a:endParaRPr lang="en-IN"/>
           </a:p>
@@ -1316,7 +1318,7 @@
           <a:p>
             <a:fld id="{981B02B0-6A9F-4640-86BF-B262D0C381CC}" type="datetimeFigureOut">
               <a:rPr lang="en-IN" smtClean="0"/>
-              <a:t>01-07-2021</a:t>
+              <a:t>06-07-2021</a:t>
             </a:fld>
             <a:endParaRPr lang="en-IN"/>
           </a:p>
@@ -1639,7 +1641,7 @@
           <a:p>
             <a:fld id="{981B02B0-6A9F-4640-86BF-B262D0C381CC}" type="datetimeFigureOut">
               <a:rPr lang="en-IN" smtClean="0"/>
-              <a:t>01-07-2021</a:t>
+              <a:t>06-07-2021</a:t>
             </a:fld>
             <a:endParaRPr lang="en-IN"/>
           </a:p>
@@ -2063,7 +2065,7 @@
           <a:p>
             <a:fld id="{981B02B0-6A9F-4640-86BF-B262D0C381CC}" type="datetimeFigureOut">
               <a:rPr lang="en-IN" smtClean="0"/>
-              <a:t>01-07-2021</a:t>
+              <a:t>06-07-2021</a:t>
             </a:fld>
             <a:endParaRPr lang="en-IN"/>
           </a:p>
@@ -2181,7 +2183,7 @@
           <a:p>
             <a:fld id="{981B02B0-6A9F-4640-86BF-B262D0C381CC}" type="datetimeFigureOut">
               <a:rPr lang="en-IN" smtClean="0"/>
-              <a:t>01-07-2021</a:t>
+              <a:t>06-07-2021</a:t>
             </a:fld>
             <a:endParaRPr lang="en-IN"/>
           </a:p>
@@ -2276,7 +2278,7 @@
           <a:p>
             <a:fld id="{981B02B0-6A9F-4640-86BF-B262D0C381CC}" type="datetimeFigureOut">
               <a:rPr lang="en-IN" smtClean="0"/>
-              <a:t>01-07-2021</a:t>
+              <a:t>06-07-2021</a:t>
             </a:fld>
             <a:endParaRPr lang="en-IN"/>
           </a:p>
@@ -2566,7 +2568,7 @@
           <a:p>
             <a:fld id="{981B02B0-6A9F-4640-86BF-B262D0C381CC}" type="datetimeFigureOut">
               <a:rPr lang="en-IN" smtClean="0"/>
-              <a:t>01-07-2021</a:t>
+              <a:t>06-07-2021</a:t>
             </a:fld>
             <a:endParaRPr lang="en-IN"/>
           </a:p>
@@ -2838,7 +2840,7 @@
           <a:p>
             <a:fld id="{981B02B0-6A9F-4640-86BF-B262D0C381CC}" type="datetimeFigureOut">
               <a:rPr lang="en-IN" smtClean="0"/>
-              <a:t>01-07-2021</a:t>
+              <a:t>06-07-2021</a:t>
             </a:fld>
             <a:endParaRPr lang="en-IN"/>
           </a:p>
@@ -3092,7 +3094,7 @@
           <a:p>
             <a:fld id="{981B02B0-6A9F-4640-86BF-B262D0C381CC}" type="datetimeFigureOut">
               <a:rPr lang="en-IN" smtClean="0"/>
-              <a:t>01-07-2021</a:t>
+              <a:t>06-07-2021</a:t>
             </a:fld>
             <a:endParaRPr lang="en-IN"/>
           </a:p>
@@ -3974,7 +3976,7 @@
         <p:spPr>
           <a:xfrm>
             <a:off x="1143000" y="254000"/>
-            <a:ext cx="9875520" cy="660400"/>
+            <a:ext cx="9875520" cy="558800"/>
           </a:xfrm>
         </p:spPr>
         <p:txBody>
@@ -3985,13 +3987,13 @@
           <a:p>
             <a:pPr algn="ctr"/>
             <a:r>
-              <a:rPr lang="en-US" dirty="0">
-                <a:latin typeface="Times New Roman" panose="02020603050405020304" pitchFamily="18" charset="0"/>
-                <a:cs typeface="Times New Roman" panose="02020603050405020304" pitchFamily="18" charset="0"/>
-              </a:rPr>
-              <a:t>QUESTIONS ON PROBABILITY:</a:t>
-            </a:r>
-            <a:endParaRPr lang="en-IN" dirty="0">
+              <a:rPr lang="en-US" b="1" dirty="0">
+                <a:latin typeface="Times New Roman" panose="02020603050405020304" pitchFamily="18" charset="0"/>
+                <a:cs typeface="Times New Roman" panose="02020603050405020304" pitchFamily="18" charset="0"/>
+              </a:rPr>
+              <a:t>ASSIGNMENT ON PROBABILITY:</a:t>
+            </a:r>
+            <a:endParaRPr lang="en-IN" b="1" dirty="0">
               <a:latin typeface="Times New Roman" panose="02020603050405020304" pitchFamily="18" charset="0"/>
               <a:cs typeface="Times New Roman" panose="02020603050405020304" pitchFamily="18" charset="0"/>
             </a:endParaRPr>
@@ -4022,7 +4024,7 @@
         </p:spPr>
         <p:txBody>
           <a:bodyPr>
-            <a:normAutofit/>
+            <a:normAutofit lnSpcReduction="10000"/>
           </a:bodyPr>
           <a:lstStyle/>
           <a:p>
@@ -4092,39 +4094,7 @@
                 <a:latin typeface="Times New Roman" panose="02020603050405020304" pitchFamily="18" charset="0"/>
                 <a:cs typeface="Times New Roman" panose="02020603050405020304" pitchFamily="18" charset="0"/>
               </a:rPr>
-              <a:t> = 4/8 = ½ = 0.5</a:t>
-            </a:r>
-          </a:p>
-          <a:p>
-            <a:pPr marL="45720" indent="0">
-              <a:buNone/>
-            </a:pPr>
-            <a:r>
-              <a:rPr lang="en-US" sz="2000" b="1" dirty="0">
-                <a:solidFill>
-                  <a:schemeClr val="tx1">
-                    <a:lumMod val="95000"/>
-                    <a:lumOff val="5000"/>
-                  </a:schemeClr>
-                </a:solidFill>
-                <a:latin typeface="Times New Roman" panose="02020603050405020304" pitchFamily="18" charset="0"/>
-                <a:cs typeface="Times New Roman" panose="02020603050405020304" pitchFamily="18" charset="0"/>
-              </a:rPr>
-              <a:t>Ques2: </a:t>
-            </a:r>
-            <a:r>
-              <a:rPr lang="en-US" sz="2000" b="1" i="0" dirty="0">
-                <a:solidFill>
-                  <a:schemeClr val="tx1">
-                    <a:lumMod val="95000"/>
-                    <a:lumOff val="5000"/>
-                  </a:schemeClr>
-                </a:solidFill>
-                <a:effectLst/>
-                <a:latin typeface="Times New Roman" panose="02020603050405020304" pitchFamily="18" charset="0"/>
-                <a:cs typeface="Times New Roman" panose="02020603050405020304" pitchFamily="18" charset="0"/>
-              </a:rPr>
-              <a:t>For numbers, one to nine, get the probability of getting a number less than 4 or 2? </a:t>
+              <a:t> = p(prime) = 4/8 = ½</a:t>
             </a:r>
           </a:p>
           <a:p>
@@ -4143,7 +4113,7 @@
                 <a:latin typeface="Times New Roman" panose="02020603050405020304" pitchFamily="18" charset="0"/>
                 <a:cs typeface="Times New Roman" panose="02020603050405020304" pitchFamily="18" charset="0"/>
               </a:rPr>
-              <a:t> Sol:  (1, 2, 3, 4, 5, 6, 7, 8, 9)</a:t>
+              <a:t>p(odd) = 4/8 = ½</a:t>
             </a:r>
           </a:p>
           <a:p>
@@ -4162,39 +4132,7 @@
                 <a:latin typeface="Times New Roman" panose="02020603050405020304" pitchFamily="18" charset="0"/>
                 <a:cs typeface="Times New Roman" panose="02020603050405020304" pitchFamily="18" charset="0"/>
               </a:rPr>
-              <a:t> = 4/9 </a:t>
-            </a:r>
-          </a:p>
-          <a:p>
-            <a:pPr marL="45720" indent="0">
-              <a:buNone/>
-            </a:pPr>
-            <a:r>
-              <a:rPr lang="en-US" sz="2000" b="1" dirty="0">
-                <a:solidFill>
-                  <a:schemeClr val="tx1">
-                    <a:lumMod val="95000"/>
-                    <a:lumOff val="5000"/>
-                  </a:schemeClr>
-                </a:solidFill>
-                <a:latin typeface="Times New Roman" panose="02020603050405020304" pitchFamily="18" charset="0"/>
-                <a:cs typeface="Times New Roman" panose="02020603050405020304" pitchFamily="18" charset="0"/>
-              </a:rPr>
-              <a:t>Ques3: </a:t>
-            </a:r>
-            <a:r>
-              <a:rPr lang="en-US" sz="2000" b="1" i="0" dirty="0">
-                <a:solidFill>
-                  <a:schemeClr val="tx1">
-                    <a:lumMod val="95000"/>
-                    <a:lumOff val="5000"/>
-                  </a:schemeClr>
-                </a:solidFill>
-                <a:effectLst/>
-                <a:latin typeface="Times New Roman" panose="02020603050405020304" pitchFamily="18" charset="0"/>
-                <a:cs typeface="Times New Roman" panose="02020603050405020304" pitchFamily="18" charset="0"/>
-              </a:rPr>
-              <a:t>Let X and Y are two independent events such that P(X) = 0.3 and P(Y) = 0.7. Find P(X and Y), P(X or Y).</a:t>
+              <a:t>P(prime &amp; odd) = 3/8</a:t>
             </a:r>
           </a:p>
           <a:p>
@@ -4213,7 +4151,7 @@
                 <a:latin typeface="Times New Roman" panose="02020603050405020304" pitchFamily="18" charset="0"/>
                 <a:cs typeface="Times New Roman" panose="02020603050405020304" pitchFamily="18" charset="0"/>
               </a:rPr>
-              <a:t> Sol: p(x) = 0.3, p(y) = 0.7</a:t>
+              <a:t>So, p(primeorodd) = ½ + ½  - 3/8</a:t>
             </a:r>
           </a:p>
           <a:p>
@@ -4222,7 +4160,7 @@
               <a:buChar char="Ø"/>
             </a:pPr>
             <a:r>
-              <a:rPr lang="en-IN" sz="2000" b="1" dirty="0">
+              <a:rPr lang="en-US" sz="2000" b="1" dirty="0">
                 <a:solidFill>
                   <a:schemeClr val="tx1">
                     <a:lumMod val="95000"/>
@@ -4232,8 +4170,113 @@
                 <a:latin typeface="Times New Roman" panose="02020603050405020304" pitchFamily="18" charset="0"/>
                 <a:cs typeface="Times New Roman" panose="02020603050405020304" pitchFamily="18" charset="0"/>
               </a:rPr>
-              <a:t> 0.3 * 0.7 = 0.21</a:t>
-            </a:r>
+              <a:t>1 – 3/8</a:t>
+            </a:r>
+          </a:p>
+          <a:p>
+            <a:pPr>
+              <a:buFont typeface="Wingdings" panose="05000000000000000000" pitchFamily="2" charset="2"/>
+              <a:buChar char="Ø"/>
+            </a:pPr>
+            <a:r>
+              <a:rPr lang="en-US" sz="2000" b="1" dirty="0">
+                <a:solidFill>
+                  <a:schemeClr val="tx1">
+                    <a:lumMod val="95000"/>
+                    <a:lumOff val="5000"/>
+                  </a:schemeClr>
+                </a:solidFill>
+                <a:latin typeface="Times New Roman" panose="02020603050405020304" pitchFamily="18" charset="0"/>
+                <a:cs typeface="Times New Roman" panose="02020603050405020304" pitchFamily="18" charset="0"/>
+              </a:rPr>
+              <a:t>= 5/8</a:t>
+            </a:r>
+          </a:p>
+          <a:p>
+            <a:pPr marL="45720" indent="0">
+              <a:buNone/>
+            </a:pPr>
+            <a:r>
+              <a:rPr lang="en-US" sz="2000" b="1" dirty="0">
+                <a:solidFill>
+                  <a:schemeClr val="tx1">
+                    <a:lumMod val="95000"/>
+                    <a:lumOff val="5000"/>
+                  </a:schemeClr>
+                </a:solidFill>
+                <a:latin typeface="Times New Roman" panose="02020603050405020304" pitchFamily="18" charset="0"/>
+                <a:cs typeface="Times New Roman" panose="02020603050405020304" pitchFamily="18" charset="0"/>
+              </a:rPr>
+              <a:t>Ques2: </a:t>
+            </a:r>
+            <a:r>
+              <a:rPr lang="en-US" sz="2000" b="1" i="0" dirty="0">
+                <a:solidFill>
+                  <a:schemeClr val="tx1">
+                    <a:lumMod val="95000"/>
+                    <a:lumOff val="5000"/>
+                  </a:schemeClr>
+                </a:solidFill>
+                <a:effectLst/>
+                <a:latin typeface="Times New Roman" panose="02020603050405020304" pitchFamily="18" charset="0"/>
+                <a:cs typeface="Times New Roman" panose="02020603050405020304" pitchFamily="18" charset="0"/>
+              </a:rPr>
+              <a:t>For numbers, one to nine, get the probability of getting a number less than 4 or 2? </a:t>
+            </a:r>
+          </a:p>
+          <a:p>
+            <a:pPr>
+              <a:buFont typeface="Wingdings" panose="05000000000000000000" pitchFamily="2" charset="2"/>
+              <a:buChar char="Ø"/>
+            </a:pPr>
+            <a:r>
+              <a:rPr lang="en-US" sz="2000" b="1" dirty="0">
+                <a:solidFill>
+                  <a:schemeClr val="tx1">
+                    <a:lumMod val="95000"/>
+                    <a:lumOff val="5000"/>
+                  </a:schemeClr>
+                </a:solidFill>
+                <a:latin typeface="Times New Roman" panose="02020603050405020304" pitchFamily="18" charset="0"/>
+                <a:cs typeface="Times New Roman" panose="02020603050405020304" pitchFamily="18" charset="0"/>
+              </a:rPr>
+              <a:t> Sol:  (1, 2, 3, 4, 5, 6, 7, 8, 9)</a:t>
+            </a:r>
+          </a:p>
+          <a:p>
+            <a:pPr>
+              <a:buFont typeface="Wingdings" panose="05000000000000000000" pitchFamily="2" charset="2"/>
+              <a:buChar char="Ø"/>
+            </a:pPr>
+            <a:r>
+              <a:rPr lang="en-US" sz="2000" b="1" dirty="0">
+                <a:solidFill>
+                  <a:schemeClr val="tx1">
+                    <a:lumMod val="95000"/>
+                    <a:lumOff val="5000"/>
+                  </a:schemeClr>
+                </a:solidFill>
+                <a:latin typeface="Times New Roman" panose="02020603050405020304" pitchFamily="18" charset="0"/>
+                <a:cs typeface="Times New Roman" panose="02020603050405020304" pitchFamily="18" charset="0"/>
+              </a:rPr>
+              <a:t> = 4/9 </a:t>
+            </a:r>
+          </a:p>
+          <a:p>
+            <a:pPr>
+              <a:buFont typeface="Wingdings" panose="05000000000000000000" pitchFamily="2" charset="2"/>
+              <a:buChar char="Ø"/>
+            </a:pPr>
+            <a:endParaRPr lang="en-IN" sz="2000" b="1" dirty="0">
+              <a:solidFill>
+                <a:schemeClr val="tx1">
+                  <a:lumMod val="95000"/>
+                  <a:lumOff val="5000"/>
+                </a:schemeClr>
+              </a:solidFill>
+              <a:latin typeface="Times New Roman" panose="02020603050405020304" pitchFamily="18" charset="0"/>
+              <a:cs typeface="Times New Roman" panose="02020603050405020304" pitchFamily="18" charset="0"/>
+            </a:endParaRPr>
           </a:p>
         </p:txBody>
       </p:sp>
@@ -4241,6 +4284,423 @@
     <p:extLst>
       <p:ext uri="{BB962C8B-B14F-4D97-AF65-F5344CB8AC3E}">
         <p14:creationId xmlns:p14="http://schemas.microsoft.com/office/powerpoint/2010/main" val="1236741352"/>
+      </p:ext>
+    </p:extLst>
+  </p:cSld>
+  <p:clrMapOvr>
+    <a:masterClrMapping/>
+  </p:clrMapOvr>
+</p:sld>
+</file>
+
+<file path=ppt/slides/slide13.xml><?xml version="1.0" encoding="utf-8"?>
+<p:sld xmlns:a="http://schemas.openxmlformats.org/drawingml/2006/main" xmlns:r="http://schemas.openxmlformats.org/officeDocument/2006/relationships" xmlns:p="http://schemas.openxmlformats.org/presentationml/2006/main">
+  <p:cSld>
+    <p:spTree>
+      <p:nvGrpSpPr>
+        <p:cNvPr id="1" name=""/>
+        <p:cNvGrpSpPr/>
+        <p:nvPr/>
+      </p:nvGrpSpPr>
+      <p:grpSpPr>
+        <a:xfrm>
+          <a:off x="0" y="0"/>
+          <a:ext cx="0" cy="0"/>
+          <a:chOff x="0" y="0"/>
+          <a:chExt cx="0" cy="0"/>
+        </a:xfrm>
+      </p:grpSpPr>
+      <p:sp>
+        <p:nvSpPr>
+          <p:cNvPr id="2" name="Title 1">
+            <a:extLst>
+              <a:ext uri="{FF2B5EF4-FFF2-40B4-BE49-F238E27FC236}">
+                <a16:creationId xmlns:a16="http://schemas.microsoft.com/office/drawing/2014/main" id="{B1599EAD-C284-438C-B7FC-06E92033EB92}"/>
+              </a:ext>
+            </a:extLst>
+          </p:cNvPr>
+          <p:cNvSpPr>
+            <a:spLocks noGrp="1"/>
+          </p:cNvSpPr>
+          <p:nvPr>
+            <p:ph type="title"/>
+          </p:nvPr>
+        </p:nvSpPr>
+        <p:spPr>
+          <a:xfrm>
+            <a:off x="1143000" y="274320"/>
+            <a:ext cx="9875520" cy="558800"/>
+          </a:xfrm>
+        </p:spPr>
+        <p:txBody>
+          <a:bodyPr>
+            <a:normAutofit fontScale="90000"/>
+          </a:bodyPr>
+          <a:lstStyle/>
+          <a:p>
+            <a:pPr algn="ctr"/>
+            <a:r>
+              <a:rPr lang="en-US" b="1" dirty="0">
+                <a:latin typeface="Times New Roman" panose="02020603050405020304" pitchFamily="18" charset="0"/>
+                <a:cs typeface="Times New Roman" panose="02020603050405020304" pitchFamily="18" charset="0"/>
+              </a:rPr>
+              <a:t>ASSIGNMENT ON PROBABILITY:</a:t>
+            </a:r>
+            <a:endParaRPr lang="en-IN" b="1" dirty="0"/>
+          </a:p>
+        </p:txBody>
+      </p:sp>
+      <p:sp>
+        <p:nvSpPr>
+          <p:cNvPr id="3" name="Content Placeholder 2">
+            <a:extLst>
+              <a:ext uri="{FF2B5EF4-FFF2-40B4-BE49-F238E27FC236}">
+                <a16:creationId xmlns:a16="http://schemas.microsoft.com/office/drawing/2014/main" id="{C8687018-2397-4AC1-90F9-C150D01D8C5E}"/>
+              </a:ext>
+            </a:extLst>
+          </p:cNvPr>
+          <p:cNvSpPr>
+            <a:spLocks noGrp="1"/>
+          </p:cNvSpPr>
+          <p:nvPr>
+            <p:ph idx="1"/>
+          </p:nvPr>
+        </p:nvSpPr>
+        <p:spPr>
+          <a:xfrm>
+            <a:off x="1143000" y="934720"/>
+            <a:ext cx="9872871" cy="5466080"/>
+          </a:xfrm>
+        </p:spPr>
+        <p:txBody>
+          <a:bodyPr/>
+          <a:lstStyle/>
+          <a:p>
+            <a:pPr marL="45720" indent="0">
+              <a:buNone/>
+            </a:pPr>
+            <a:r>
+              <a:rPr lang="en-US" sz="2400" b="1" dirty="0">
+                <a:solidFill>
+                  <a:schemeClr val="tx1">
+                    <a:lumMod val="95000"/>
+                    <a:lumOff val="5000"/>
+                  </a:schemeClr>
+                </a:solidFill>
+                <a:latin typeface="Times New Roman" panose="02020603050405020304" pitchFamily="18" charset="0"/>
+                <a:cs typeface="Times New Roman" panose="02020603050405020304" pitchFamily="18" charset="0"/>
+              </a:rPr>
+              <a:t>Ques3: </a:t>
+            </a:r>
+            <a:r>
+              <a:rPr lang="en-US" sz="2400" b="1" i="0" dirty="0">
+                <a:solidFill>
+                  <a:schemeClr val="tx1">
+                    <a:lumMod val="95000"/>
+                    <a:lumOff val="5000"/>
+                  </a:schemeClr>
+                </a:solidFill>
+                <a:effectLst/>
+                <a:latin typeface="Times New Roman" panose="02020603050405020304" pitchFamily="18" charset="0"/>
+                <a:cs typeface="Times New Roman" panose="02020603050405020304" pitchFamily="18" charset="0"/>
+              </a:rPr>
+              <a:t>Let X and Y are two independent events such that P(X) = 0.3 and P(Y) = 0.7. Find P(X and Y), P(X or Y).</a:t>
+            </a:r>
+          </a:p>
+          <a:p>
+            <a:pPr>
+              <a:buFont typeface="Wingdings" panose="05000000000000000000" pitchFamily="2" charset="2"/>
+              <a:buChar char="Ø"/>
+            </a:pPr>
+            <a:r>
+              <a:rPr lang="en-US" sz="2400" b="1" dirty="0">
+                <a:solidFill>
+                  <a:schemeClr val="tx1">
+                    <a:lumMod val="95000"/>
+                    <a:lumOff val="5000"/>
+                  </a:schemeClr>
+                </a:solidFill>
+                <a:latin typeface="Times New Roman" panose="02020603050405020304" pitchFamily="18" charset="0"/>
+                <a:cs typeface="Times New Roman" panose="02020603050405020304" pitchFamily="18" charset="0"/>
+              </a:rPr>
+              <a:t> Sol: P(X and Y) = P(X) * P(Y)</a:t>
+            </a:r>
+          </a:p>
+          <a:p>
+            <a:pPr>
+              <a:buFont typeface="Wingdings" panose="05000000000000000000" pitchFamily="2" charset="2"/>
+              <a:buChar char="Ø"/>
+            </a:pPr>
+            <a:r>
+              <a:rPr lang="en-IN" sz="2400" b="1" dirty="0">
+                <a:solidFill>
+                  <a:schemeClr val="tx1">
+                    <a:lumMod val="95000"/>
+                    <a:lumOff val="5000"/>
+                  </a:schemeClr>
+                </a:solidFill>
+                <a:latin typeface="Times New Roman" panose="02020603050405020304" pitchFamily="18" charset="0"/>
+                <a:cs typeface="Times New Roman" panose="02020603050405020304" pitchFamily="18" charset="0"/>
+              </a:rPr>
+              <a:t> 		       =  0.3 * 0.7  = 0.21</a:t>
+            </a:r>
+          </a:p>
+          <a:p>
+            <a:pPr>
+              <a:buFont typeface="Wingdings" panose="05000000000000000000" pitchFamily="2" charset="2"/>
+              <a:buChar char="Ø"/>
+            </a:pPr>
+            <a:r>
+              <a:rPr lang="en-IN" sz="2400" b="1" dirty="0">
+                <a:solidFill>
+                  <a:schemeClr val="tx1">
+                    <a:lumMod val="95000"/>
+                    <a:lumOff val="5000"/>
+                  </a:schemeClr>
+                </a:solidFill>
+                <a:latin typeface="Times New Roman" panose="02020603050405020304" pitchFamily="18" charset="0"/>
+                <a:cs typeface="Times New Roman" panose="02020603050405020304" pitchFamily="18" charset="0"/>
+              </a:rPr>
+              <a:t>         P(X or B)   = P(X) + P(Y)</a:t>
+            </a:r>
+          </a:p>
+          <a:p>
+            <a:pPr>
+              <a:buFont typeface="Wingdings" panose="05000000000000000000" pitchFamily="2" charset="2"/>
+              <a:buChar char="Ø"/>
+            </a:pPr>
+            <a:r>
+              <a:rPr lang="en-IN" sz="2400" b="1" dirty="0">
+                <a:solidFill>
+                  <a:schemeClr val="tx1">
+                    <a:lumMod val="95000"/>
+                    <a:lumOff val="5000"/>
+                  </a:schemeClr>
+                </a:solidFill>
+                <a:latin typeface="Times New Roman" panose="02020603050405020304" pitchFamily="18" charset="0"/>
+                <a:cs typeface="Times New Roman" panose="02020603050405020304" pitchFamily="18" charset="0"/>
+              </a:rPr>
+              <a:t>                             = 0.3 + 0.7 = 1 </a:t>
+            </a:r>
+          </a:p>
+          <a:p>
+            <a:pPr marL="45720" indent="0">
+              <a:buNone/>
+            </a:pPr>
+            <a:r>
+              <a:rPr lang="en-IN" sz="2400" b="1" dirty="0">
+                <a:solidFill>
+                  <a:schemeClr val="tx1">
+                    <a:lumMod val="95000"/>
+                    <a:lumOff val="5000"/>
+                  </a:schemeClr>
+                </a:solidFill>
+                <a:latin typeface="Times New Roman" panose="02020603050405020304" pitchFamily="18" charset="0"/>
+                <a:cs typeface="Times New Roman" panose="02020603050405020304" pitchFamily="18" charset="0"/>
+              </a:rPr>
+              <a:t>        </a:t>
+            </a:r>
+            <a:endParaRPr lang="en-IN" sz="1800" b="1" dirty="0">
+              <a:solidFill>
+                <a:schemeClr val="tx1">
+                  <a:lumMod val="95000"/>
+                  <a:lumOff val="5000"/>
+                </a:schemeClr>
+              </a:solidFill>
+              <a:latin typeface="Times New Roman" panose="02020603050405020304" pitchFamily="18" charset="0"/>
+              <a:cs typeface="Times New Roman" panose="02020603050405020304" pitchFamily="18" charset="0"/>
+            </a:endParaRPr>
+          </a:p>
+          <a:p>
+            <a:pPr>
+              <a:buFont typeface="Wingdings" panose="05000000000000000000" pitchFamily="2" charset="2"/>
+              <a:buChar char="Ø"/>
+            </a:pPr>
+            <a:endParaRPr lang="en-IN" sz="2400" b="1" dirty="0">
+              <a:solidFill>
+                <a:schemeClr val="tx1">
+                  <a:lumMod val="95000"/>
+                  <a:lumOff val="5000"/>
+                </a:schemeClr>
+              </a:solidFill>
+              <a:latin typeface="Times New Roman" panose="02020603050405020304" pitchFamily="18" charset="0"/>
+              <a:cs typeface="Times New Roman" panose="02020603050405020304" pitchFamily="18" charset="0"/>
+            </a:endParaRPr>
+          </a:p>
+          <a:p>
+            <a:endParaRPr lang="en-IN" dirty="0"/>
+          </a:p>
+        </p:txBody>
+      </p:sp>
+    </p:spTree>
+    <p:extLst>
+      <p:ext uri="{BB962C8B-B14F-4D97-AF65-F5344CB8AC3E}">
+        <p14:creationId xmlns:p14="http://schemas.microsoft.com/office/powerpoint/2010/main" val="2211265544"/>
+      </p:ext>
+    </p:extLst>
+  </p:cSld>
+  <p:clrMapOvr>
+    <a:masterClrMapping/>
+  </p:clrMapOvr>
+</p:sld>
+</file>
+
+<file path=ppt/slides/slide14.xml><?xml version="1.0" encoding="utf-8"?>
+<p:sld xmlns:a="http://schemas.openxmlformats.org/drawingml/2006/main" xmlns:r="http://schemas.openxmlformats.org/officeDocument/2006/relationships" xmlns:p="http://schemas.openxmlformats.org/presentationml/2006/main">
+  <p:cSld>
+    <p:spTree>
+      <p:nvGrpSpPr>
+        <p:cNvPr id="1" name=""/>
+        <p:cNvGrpSpPr/>
+        <p:nvPr/>
+      </p:nvGrpSpPr>
+      <p:grpSpPr>
+        <a:xfrm>
+          <a:off x="0" y="0"/>
+          <a:ext cx="0" cy="0"/>
+          <a:chOff x="0" y="0"/>
+          <a:chExt cx="0" cy="0"/>
+        </a:xfrm>
+      </p:grpSpPr>
+      <p:sp>
+        <p:nvSpPr>
+          <p:cNvPr id="2" name="Title 1">
+            <a:extLst>
+              <a:ext uri="{FF2B5EF4-FFF2-40B4-BE49-F238E27FC236}">
+                <a16:creationId xmlns:a16="http://schemas.microsoft.com/office/drawing/2014/main" id="{9FE40AD8-C721-459D-8AA0-C86CDB515249}"/>
+              </a:ext>
+            </a:extLst>
+          </p:cNvPr>
+          <p:cNvSpPr>
+            <a:spLocks noGrp="1"/>
+          </p:cNvSpPr>
+          <p:nvPr>
+            <p:ph type="title"/>
+          </p:nvPr>
+        </p:nvSpPr>
+        <p:spPr>
+          <a:xfrm>
+            <a:off x="1143000" y="274320"/>
+            <a:ext cx="9875520" cy="640080"/>
+          </a:xfrm>
+        </p:spPr>
+        <p:txBody>
+          <a:bodyPr>
+            <a:normAutofit fontScale="90000"/>
+          </a:bodyPr>
+          <a:lstStyle/>
+          <a:p>
+            <a:pPr algn="ctr"/>
+            <a:r>
+              <a:rPr lang="en-US" b="1" dirty="0">
+                <a:latin typeface="Times New Roman" panose="02020603050405020304" pitchFamily="18" charset="0"/>
+                <a:cs typeface="Times New Roman" panose="02020603050405020304" pitchFamily="18" charset="0"/>
+              </a:rPr>
+              <a:t>ASSIGNMENT ON PROBABILITY:</a:t>
+            </a:r>
+            <a:endParaRPr lang="en-IN" dirty="0"/>
+          </a:p>
+        </p:txBody>
+      </p:sp>
+      <p:sp>
+        <p:nvSpPr>
+          <p:cNvPr id="3" name="Content Placeholder 2">
+            <a:extLst>
+              <a:ext uri="{FF2B5EF4-FFF2-40B4-BE49-F238E27FC236}">
+                <a16:creationId xmlns:a16="http://schemas.microsoft.com/office/drawing/2014/main" id="{16492D45-9C10-4F03-A720-5F55BD692903}"/>
+              </a:ext>
+            </a:extLst>
+          </p:cNvPr>
+          <p:cNvSpPr>
+            <a:spLocks noGrp="1"/>
+          </p:cNvSpPr>
+          <p:nvPr>
+            <p:ph idx="1"/>
+          </p:nvPr>
+        </p:nvSpPr>
+        <p:spPr>
+          <a:xfrm>
+            <a:off x="1143000" y="1066800"/>
+            <a:ext cx="9872871" cy="5029200"/>
+          </a:xfrm>
+        </p:spPr>
+        <p:txBody>
+          <a:bodyPr>
+            <a:normAutofit/>
+          </a:bodyPr>
+          <a:lstStyle/>
+          <a:p>
+            <a:r>
+              <a:rPr lang="en-US" sz="2400" b="1" dirty="0">
+                <a:solidFill>
+                  <a:schemeClr val="tx1"/>
+                </a:solidFill>
+                <a:latin typeface="Times New Roman" panose="02020603050405020304" pitchFamily="18" charset="0"/>
+                <a:cs typeface="Times New Roman" panose="02020603050405020304" pitchFamily="18" charset="0"/>
+              </a:rPr>
+              <a:t>Q.)A bag contains red and blue marbles. Two marbles are drawn without replacement. The probability of selecting a red marble and then a  blue marble is 0.28. The probability of selecting a red marble on the first draw is 0.5. What is the probability of selecting a blue  marble on the second draw, given that the first marble drawn was red ? </a:t>
+            </a:r>
+          </a:p>
+          <a:p>
+            <a:r>
+              <a:rPr lang="en-US" sz="2400" b="1" dirty="0">
+                <a:solidFill>
+                  <a:schemeClr val="tx1"/>
+                </a:solidFill>
+                <a:latin typeface="Times New Roman" panose="02020603050405020304" pitchFamily="18" charset="0"/>
+                <a:cs typeface="Times New Roman" panose="02020603050405020304" pitchFamily="18" charset="0"/>
+              </a:rPr>
+              <a:t>P(B / R)  = P(B </a:t>
+            </a:r>
+            <a:r>
+              <a:rPr lang="en-IN" sz="2400" b="1" i="0" dirty="0">
+                <a:solidFill>
+                  <a:srgbClr val="202124"/>
+                </a:solidFill>
+                <a:effectLst/>
+                <a:latin typeface="Times New Roman" panose="02020603050405020304" pitchFamily="18" charset="0"/>
+                <a:cs typeface="Times New Roman" panose="02020603050405020304" pitchFamily="18" charset="0"/>
+              </a:rPr>
+              <a:t>∩ R) / P(R)</a:t>
+            </a:r>
+          </a:p>
+          <a:p>
+            <a:r>
+              <a:rPr lang="en-IN" sz="2400" b="1" dirty="0">
+                <a:solidFill>
+                  <a:srgbClr val="202124"/>
+                </a:solidFill>
+                <a:latin typeface="Times New Roman" panose="02020603050405020304" pitchFamily="18" charset="0"/>
+                <a:cs typeface="Times New Roman" panose="02020603050405020304" pitchFamily="18" charset="0"/>
+              </a:rPr>
+              <a:t>                     =  0.28 / 0.5 </a:t>
+            </a:r>
+          </a:p>
+          <a:p>
+            <a:r>
+              <a:rPr lang="en-IN" sz="2400" b="1" dirty="0">
+                <a:solidFill>
+                  <a:srgbClr val="202124"/>
+                </a:solidFill>
+                <a:latin typeface="Times New Roman" panose="02020603050405020304" pitchFamily="18" charset="0"/>
+                <a:cs typeface="Times New Roman" panose="02020603050405020304" pitchFamily="18" charset="0"/>
+              </a:rPr>
+              <a:t>                     =  0.56</a:t>
+            </a:r>
+            <a:endParaRPr lang="en-IN" sz="2400" b="1" dirty="0">
+              <a:solidFill>
+                <a:schemeClr val="tx1"/>
+              </a:solidFill>
+              <a:latin typeface="Times New Roman" panose="02020603050405020304" pitchFamily="18" charset="0"/>
+              <a:cs typeface="Times New Roman" panose="02020603050405020304" pitchFamily="18" charset="0"/>
+            </a:endParaRPr>
+          </a:p>
+        </p:txBody>
+      </p:sp>
+    </p:spTree>
+    <p:extLst>
+      <p:ext uri="{BB962C8B-B14F-4D97-AF65-F5344CB8AC3E}">
+        <p14:creationId xmlns:p14="http://schemas.microsoft.com/office/powerpoint/2010/main" val="4029592543"/>
       </p:ext>
     </p:extLst>
   </p:cSld>
